--- a/Aulas/Projeto de Interface do Usuario - Mable.pptx
+++ b/Aulas/Projeto de Interface do Usuario - Mable.pptx
@@ -7,13 +7,14 @@
   <p:sldIdLst>
     <p:sldId id="256" r:id="rId2"/>
     <p:sldId id="257" r:id="rId3"/>
-    <p:sldId id="258" r:id="rId4"/>
-    <p:sldId id="260" r:id="rId5"/>
-    <p:sldId id="264" r:id="rId6"/>
-    <p:sldId id="259" r:id="rId7"/>
-    <p:sldId id="263" r:id="rId8"/>
-    <p:sldId id="261" r:id="rId9"/>
-    <p:sldId id="262" r:id="rId10"/>
+    <p:sldId id="265" r:id="rId4"/>
+    <p:sldId id="258" r:id="rId5"/>
+    <p:sldId id="260" r:id="rId6"/>
+    <p:sldId id="264" r:id="rId7"/>
+    <p:sldId id="259" r:id="rId8"/>
+    <p:sldId id="263" r:id="rId9"/>
+    <p:sldId id="261" r:id="rId10"/>
+    <p:sldId id="262" r:id="rId11"/>
   </p:sldIdLst>
   <p:sldSz cx="12192000" cy="6858000"/>
   <p:notesSz cx="6858000" cy="9144000"/>
@@ -3706,7 +3707,7 @@
 </p:sld>
 </file>
 
-<file path=ppt/slides/slide2.xml><?xml version="1.0" encoding="utf-8"?>
+<file path=ppt/slides/slide10.xml><?xml version="1.0" encoding="utf-8"?>
 <p:sld xmlns:a="http://schemas.openxmlformats.org/drawingml/2006/main" xmlns:r="http://schemas.openxmlformats.org/officeDocument/2006/relationships" xmlns:p="http://schemas.openxmlformats.org/presentationml/2006/main">
   <p:cSld>
     <p:spTree>
@@ -3725,10 +3726,10 @@
       </p:grpSpPr>
       <p:sp>
         <p:nvSpPr>
-          <p:cNvPr id="13" name="Retângulo 12">
-            <a:extLst>
-              <a:ext uri="{FF2B5EF4-FFF2-40B4-BE49-F238E27FC236}">
-                <a16:creationId xmlns:a16="http://schemas.microsoft.com/office/drawing/2014/main" id="{7C061B25-5086-4EE2-B0AE-1ABECBBF8EAA}"/>
+          <p:cNvPr id="6" name="Retângulo 5">
+            <a:extLst>
+              <a:ext uri="{FF2B5EF4-FFF2-40B4-BE49-F238E27FC236}">
+                <a16:creationId xmlns:a16="http://schemas.microsoft.com/office/drawing/2014/main" id="{3CD2C5A8-AA15-410B-904F-02F5D04E879E}"/>
               </a:ext>
             </a:extLst>
           </p:cNvPr>
@@ -3780,6 +3781,207 @@
           </a:p>
         </p:txBody>
       </p:sp>
+      <p:sp>
+        <p:nvSpPr>
+          <p:cNvPr id="11" name="CaixaDeTexto 10">
+            <a:extLst>
+              <a:ext uri="{FF2B5EF4-FFF2-40B4-BE49-F238E27FC236}">
+                <a16:creationId xmlns:a16="http://schemas.microsoft.com/office/drawing/2014/main" id="{3998003E-779B-4DFD-AE79-EBA2ADD64AE1}"/>
+              </a:ext>
+            </a:extLst>
+          </p:cNvPr>
+          <p:cNvSpPr txBox="1"/>
+          <p:nvPr/>
+        </p:nvSpPr>
+        <p:spPr>
+          <a:xfrm>
+            <a:off x="1855874" y="7158396"/>
+            <a:ext cx="2302030" cy="369332"/>
+          </a:xfrm>
+          <a:prstGeom prst="rect">
+            <a:avLst/>
+          </a:prstGeom>
+          <a:solidFill>
+            <a:schemeClr val="bg1"/>
+          </a:solidFill>
+        </p:spPr>
+        <p:txBody>
+          <a:bodyPr wrap="square" rtlCol="0">
+            <a:spAutoFit/>
+          </a:bodyPr>
+          <a:lstStyle/>
+          <a:p>
+            <a:pPr marL="285750" indent="-285750">
+              <a:buFont typeface="Arial" panose="020B0604020202020204" pitchFamily="34" charset="0"/>
+              <a:buChar char="•"/>
+            </a:pPr>
+            <a:endParaRPr lang="pt-BR" dirty="0"/>
+          </a:p>
+        </p:txBody>
+      </p:sp>
+      <p:sp>
+        <p:nvSpPr>
+          <p:cNvPr id="2" name="Retângulo 1">
+            <a:extLst>
+              <a:ext uri="{FF2B5EF4-FFF2-40B4-BE49-F238E27FC236}">
+                <a16:creationId xmlns:a16="http://schemas.microsoft.com/office/drawing/2014/main" id="{E01A135F-F4BD-4992-9225-BD5212DCE35E}"/>
+              </a:ext>
+            </a:extLst>
+          </p:cNvPr>
+          <p:cNvSpPr/>
+          <p:nvPr/>
+        </p:nvSpPr>
+        <p:spPr>
+          <a:xfrm>
+            <a:off x="518240" y="263792"/>
+            <a:ext cx="9360546" cy="830997"/>
+          </a:xfrm>
+          <a:prstGeom prst="rect">
+            <a:avLst/>
+          </a:prstGeom>
+        </p:spPr>
+        <p:txBody>
+          <a:bodyPr wrap="square">
+            <a:spAutoFit/>
+          </a:bodyPr>
+          <a:lstStyle/>
+          <a:p>
+            <a:r>
+              <a:rPr lang="pt-BR" sz="2400" b="1" dirty="0">
+                <a:latin typeface="Arial" panose="020B0604020202020204" pitchFamily="34" charset="0"/>
+                <a:cs typeface="Arial" panose="020B0604020202020204" pitchFamily="34" charset="0"/>
+              </a:rPr>
+              <a:t>Telas do sistema após aplicação das melhorias:</a:t>
+            </a:r>
+          </a:p>
+          <a:p>
+            <a:r>
+              <a:rPr lang="pt-BR" sz="2400" b="1" dirty="0">
+                <a:latin typeface="Arial" panose="020B0604020202020204" pitchFamily="34" charset="0"/>
+                <a:cs typeface="Arial" panose="020B0604020202020204" pitchFamily="34" charset="0"/>
+              </a:rPr>
+              <a:t>Relatório de alunos matriculados:</a:t>
+            </a:r>
+          </a:p>
+        </p:txBody>
+      </p:sp>
+      <p:pic>
+        <p:nvPicPr>
+          <p:cNvPr id="3" name="Imagem 2">
+            <a:extLst>
+              <a:ext uri="{FF2B5EF4-FFF2-40B4-BE49-F238E27FC236}">
+                <a16:creationId xmlns:a16="http://schemas.microsoft.com/office/drawing/2014/main" id="{9EFA89ED-D066-4CCF-A670-DF789BA632DB}"/>
+              </a:ext>
+            </a:extLst>
+          </p:cNvPr>
+          <p:cNvPicPr>
+            <a:picLocks noChangeAspect="1"/>
+          </p:cNvPicPr>
+          <p:nvPr/>
+        </p:nvPicPr>
+        <p:blipFill>
+          <a:blip r:embed="rId2"/>
+          <a:stretch>
+            <a:fillRect/>
+          </a:stretch>
+        </p:blipFill>
+        <p:spPr>
+          <a:xfrm>
+            <a:off x="518240" y="1395185"/>
+            <a:ext cx="11287317" cy="4398509"/>
+          </a:xfrm>
+          <a:prstGeom prst="rect">
+            <a:avLst/>
+          </a:prstGeom>
+        </p:spPr>
+      </p:pic>
+    </p:spTree>
+    <p:extLst>
+      <p:ext uri="{BB962C8B-B14F-4D97-AF65-F5344CB8AC3E}">
+        <p14:creationId xmlns:p14="http://schemas.microsoft.com/office/powerpoint/2010/main" val="1852601293"/>
+      </p:ext>
+    </p:extLst>
+  </p:cSld>
+  <p:clrMapOvr>
+    <a:masterClrMapping/>
+  </p:clrMapOvr>
+</p:sld>
+</file>
+
+<file path=ppt/slides/slide2.xml><?xml version="1.0" encoding="utf-8"?>
+<p:sld xmlns:a="http://schemas.openxmlformats.org/drawingml/2006/main" xmlns:r="http://schemas.openxmlformats.org/officeDocument/2006/relationships" xmlns:p="http://schemas.openxmlformats.org/presentationml/2006/main">
+  <p:cSld>
+    <p:spTree>
+      <p:nvGrpSpPr>
+        <p:cNvPr id="1" name=""/>
+        <p:cNvGrpSpPr/>
+        <p:nvPr/>
+      </p:nvGrpSpPr>
+      <p:grpSpPr>
+        <a:xfrm>
+          <a:off x="0" y="0"/>
+          <a:ext cx="0" cy="0"/>
+          <a:chOff x="0" y="0"/>
+          <a:chExt cx="0" cy="0"/>
+        </a:xfrm>
+      </p:grpSpPr>
+      <p:sp>
+        <p:nvSpPr>
+          <p:cNvPr id="13" name="Retângulo 12">
+            <a:extLst>
+              <a:ext uri="{FF2B5EF4-FFF2-40B4-BE49-F238E27FC236}">
+                <a16:creationId xmlns:a16="http://schemas.microsoft.com/office/drawing/2014/main" id="{7C061B25-5086-4EE2-B0AE-1ABECBBF8EAA}"/>
+              </a:ext>
+            </a:extLst>
+          </p:cNvPr>
+          <p:cNvSpPr/>
+          <p:nvPr/>
+        </p:nvSpPr>
+        <p:spPr>
+          <a:xfrm>
+            <a:off x="0" y="0"/>
+            <a:ext cx="12192000" cy="6858000"/>
+          </a:xfrm>
+          <a:prstGeom prst="rect">
+            <a:avLst/>
+          </a:prstGeom>
+          <a:solidFill>
+            <a:schemeClr val="accent1">
+              <a:lumMod val="20000"/>
+              <a:lumOff val="80000"/>
+            </a:schemeClr>
+          </a:solidFill>
+          <a:ln>
+            <a:solidFill>
+              <a:schemeClr val="bg1"/>
+            </a:solidFill>
+          </a:ln>
+        </p:spPr>
+        <p:style>
+          <a:lnRef idx="2">
+            <a:schemeClr val="accent1">
+              <a:shade val="50000"/>
+            </a:schemeClr>
+          </a:lnRef>
+          <a:fillRef idx="1">
+            <a:schemeClr val="accent1"/>
+          </a:fillRef>
+          <a:effectRef idx="0">
+            <a:schemeClr val="accent1"/>
+          </a:effectRef>
+          <a:fontRef idx="minor">
+            <a:schemeClr val="lt1"/>
+          </a:fontRef>
+        </p:style>
+        <p:txBody>
+          <a:bodyPr rtlCol="0" anchor="ctr"/>
+          <a:lstStyle/>
+          <a:p>
+            <a:pPr algn="ctr"/>
+            <a:endParaRPr lang="pt-BR"/>
+          </a:p>
+        </p:txBody>
+      </p:sp>
       <p:pic>
         <p:nvPicPr>
           <p:cNvPr id="5" name="Imagem 4">
@@ -4336,6 +4538,198 @@
 </file>
 
 <file path=ppt/slides/slide3.xml><?xml version="1.0" encoding="utf-8"?>
+<p:sld xmlns:a="http://schemas.openxmlformats.org/drawingml/2006/main" xmlns:r="http://schemas.openxmlformats.org/officeDocument/2006/relationships" xmlns:p="http://schemas.openxmlformats.org/presentationml/2006/main">
+  <p:cSld>
+    <p:spTree>
+      <p:nvGrpSpPr>
+        <p:cNvPr id="1" name=""/>
+        <p:cNvGrpSpPr/>
+        <p:nvPr/>
+      </p:nvGrpSpPr>
+      <p:grpSpPr>
+        <a:xfrm>
+          <a:off x="0" y="0"/>
+          <a:ext cx="0" cy="0"/>
+          <a:chOff x="0" y="0"/>
+          <a:chExt cx="0" cy="0"/>
+        </a:xfrm>
+      </p:grpSpPr>
+      <p:sp>
+        <p:nvSpPr>
+          <p:cNvPr id="13" name="Retângulo 12">
+            <a:extLst>
+              <a:ext uri="{FF2B5EF4-FFF2-40B4-BE49-F238E27FC236}">
+                <a16:creationId xmlns:a16="http://schemas.microsoft.com/office/drawing/2014/main" id="{7C061B25-5086-4EE2-B0AE-1ABECBBF8EAA}"/>
+              </a:ext>
+            </a:extLst>
+          </p:cNvPr>
+          <p:cNvSpPr/>
+          <p:nvPr/>
+        </p:nvSpPr>
+        <p:spPr>
+          <a:xfrm>
+            <a:off x="0" y="0"/>
+            <a:ext cx="12192000" cy="6858000"/>
+          </a:xfrm>
+          <a:prstGeom prst="rect">
+            <a:avLst/>
+          </a:prstGeom>
+          <a:solidFill>
+            <a:schemeClr val="accent1">
+              <a:lumMod val="20000"/>
+              <a:lumOff val="80000"/>
+            </a:schemeClr>
+          </a:solidFill>
+          <a:ln>
+            <a:solidFill>
+              <a:schemeClr val="bg1"/>
+            </a:solidFill>
+          </a:ln>
+        </p:spPr>
+        <p:style>
+          <a:lnRef idx="2">
+            <a:schemeClr val="accent1">
+              <a:shade val="50000"/>
+            </a:schemeClr>
+          </a:lnRef>
+          <a:fillRef idx="1">
+            <a:schemeClr val="accent1"/>
+          </a:fillRef>
+          <a:effectRef idx="0">
+            <a:schemeClr val="accent1"/>
+          </a:effectRef>
+          <a:fontRef idx="minor">
+            <a:schemeClr val="lt1"/>
+          </a:fontRef>
+        </p:style>
+        <p:txBody>
+          <a:bodyPr rtlCol="0" anchor="ctr"/>
+          <a:lstStyle/>
+          <a:p>
+            <a:pPr algn="ctr"/>
+            <a:endParaRPr lang="pt-BR"/>
+          </a:p>
+        </p:txBody>
+      </p:sp>
+      <p:sp>
+        <p:nvSpPr>
+          <p:cNvPr id="11" name="CaixaDeTexto 10">
+            <a:extLst>
+              <a:ext uri="{FF2B5EF4-FFF2-40B4-BE49-F238E27FC236}">
+                <a16:creationId xmlns:a16="http://schemas.microsoft.com/office/drawing/2014/main" id="{3998003E-779B-4DFD-AE79-EBA2ADD64AE1}"/>
+              </a:ext>
+            </a:extLst>
+          </p:cNvPr>
+          <p:cNvSpPr txBox="1"/>
+          <p:nvPr/>
+        </p:nvSpPr>
+        <p:spPr>
+          <a:xfrm>
+            <a:off x="1855874" y="7158396"/>
+            <a:ext cx="2302030" cy="369332"/>
+          </a:xfrm>
+          <a:prstGeom prst="rect">
+            <a:avLst/>
+          </a:prstGeom>
+          <a:solidFill>
+            <a:schemeClr val="bg1"/>
+          </a:solidFill>
+        </p:spPr>
+        <p:txBody>
+          <a:bodyPr wrap="square" rtlCol="0">
+            <a:spAutoFit/>
+          </a:bodyPr>
+          <a:lstStyle/>
+          <a:p>
+            <a:pPr marL="285750" indent="-285750">
+              <a:buFont typeface="Arial" panose="020B0604020202020204" pitchFamily="34" charset="0"/>
+              <a:buChar char="•"/>
+            </a:pPr>
+            <a:endParaRPr lang="pt-BR" dirty="0"/>
+          </a:p>
+        </p:txBody>
+      </p:sp>
+      <p:sp>
+        <p:nvSpPr>
+          <p:cNvPr id="2" name="Retângulo 1">
+            <a:extLst>
+              <a:ext uri="{FF2B5EF4-FFF2-40B4-BE49-F238E27FC236}">
+                <a16:creationId xmlns:a16="http://schemas.microsoft.com/office/drawing/2014/main" id="{E01A135F-F4BD-4992-9225-BD5212DCE35E}"/>
+              </a:ext>
+            </a:extLst>
+          </p:cNvPr>
+          <p:cNvSpPr/>
+          <p:nvPr/>
+        </p:nvSpPr>
+        <p:spPr>
+          <a:xfrm>
+            <a:off x="111299" y="210838"/>
+            <a:ext cx="4680617" cy="461665"/>
+          </a:xfrm>
+          <a:prstGeom prst="rect">
+            <a:avLst/>
+          </a:prstGeom>
+        </p:spPr>
+        <p:txBody>
+          <a:bodyPr wrap="square">
+            <a:spAutoFit/>
+          </a:bodyPr>
+          <a:lstStyle/>
+          <a:p>
+            <a:r>
+              <a:rPr lang="pt-BR" sz="2400" b="1" dirty="0">
+                <a:latin typeface="Arial" panose="020B0604020202020204" pitchFamily="34" charset="0"/>
+                <a:cs typeface="Arial" panose="020B0604020202020204" pitchFamily="34" charset="0"/>
+              </a:rPr>
+              <a:t>Exercício Mapa do Site:</a:t>
+            </a:r>
+          </a:p>
+        </p:txBody>
+      </p:sp>
+      <p:pic>
+        <p:nvPicPr>
+          <p:cNvPr id="3" name="Imagem 2">
+            <a:extLst>
+              <a:ext uri="{FF2B5EF4-FFF2-40B4-BE49-F238E27FC236}">
+                <a16:creationId xmlns:a16="http://schemas.microsoft.com/office/drawing/2014/main" id="{DF28C63B-B804-4198-BD60-AE8A034ABA52}"/>
+              </a:ext>
+            </a:extLst>
+          </p:cNvPr>
+          <p:cNvPicPr>
+            <a:picLocks noChangeAspect="1"/>
+          </p:cNvPicPr>
+          <p:nvPr/>
+        </p:nvPicPr>
+        <p:blipFill>
+          <a:blip r:embed="rId2"/>
+          <a:stretch>
+            <a:fillRect/>
+          </a:stretch>
+        </p:blipFill>
+        <p:spPr>
+          <a:xfrm>
+            <a:off x="1224643" y="672503"/>
+            <a:ext cx="9371780" cy="5772150"/>
+          </a:xfrm>
+          <a:prstGeom prst="rect">
+            <a:avLst/>
+          </a:prstGeom>
+        </p:spPr>
+      </p:pic>
+    </p:spTree>
+    <p:extLst>
+      <p:ext uri="{BB962C8B-B14F-4D97-AF65-F5344CB8AC3E}">
+        <p14:creationId xmlns:p14="http://schemas.microsoft.com/office/powerpoint/2010/main" val="492112516"/>
+      </p:ext>
+    </p:extLst>
+  </p:cSld>
+  <p:clrMapOvr>
+    <a:masterClrMapping/>
+  </p:clrMapOvr>
+</p:sld>
+</file>
+
+<file path=ppt/slides/slide4.xml><?xml version="1.0" encoding="utf-8"?>
 <p:sld xmlns:a="http://schemas.openxmlformats.org/drawingml/2006/main" xmlns:r="http://schemas.openxmlformats.org/officeDocument/2006/relationships" xmlns:p="http://schemas.openxmlformats.org/presentationml/2006/main">
   <p:cSld>
     <p:spTree>
@@ -5022,7 +5416,7 @@
 </p:sld>
 </file>
 
-<file path=ppt/slides/slide4.xml><?xml version="1.0" encoding="utf-8"?>
+<file path=ppt/slides/slide5.xml><?xml version="1.0" encoding="utf-8"?>
 <p:sld xmlns:a="http://schemas.openxmlformats.org/drawingml/2006/main" xmlns:r="http://schemas.openxmlformats.org/officeDocument/2006/relationships" xmlns:p="http://schemas.openxmlformats.org/presentationml/2006/main">
   <p:cSld>
     <p:spTree>
@@ -5837,7 +6231,7 @@
 </p:sld>
 </file>
 
-<file path=ppt/slides/slide5.xml><?xml version="1.0" encoding="utf-8"?>
+<file path=ppt/slides/slide6.xml><?xml version="1.0" encoding="utf-8"?>
 <p:sld xmlns:a="http://schemas.openxmlformats.org/drawingml/2006/main" xmlns:r="http://schemas.openxmlformats.org/officeDocument/2006/relationships" xmlns:p="http://schemas.openxmlformats.org/presentationml/2006/main">
   <p:cSld>
     <p:spTree>
@@ -6025,7 +6419,7 @@
 </p:sld>
 </file>
 
-<file path=ppt/slides/slide6.xml><?xml version="1.0" encoding="utf-8"?>
+<file path=ppt/slides/slide7.xml><?xml version="1.0" encoding="utf-8"?>
 <p:sld xmlns:a="http://schemas.openxmlformats.org/drawingml/2006/main" xmlns:r="http://schemas.openxmlformats.org/officeDocument/2006/relationships" xmlns:p="http://schemas.openxmlformats.org/presentationml/2006/main">
   <p:cSld>
     <p:spTree>
@@ -6606,7 +7000,7 @@
 </p:sld>
 </file>
 
-<file path=ppt/slides/slide7.xml><?xml version="1.0" encoding="utf-8"?>
+<file path=ppt/slides/slide8.xml><?xml version="1.0" encoding="utf-8"?>
 <p:sld xmlns:a="http://schemas.openxmlformats.org/drawingml/2006/main" xmlns:r="http://schemas.openxmlformats.org/officeDocument/2006/relationships" xmlns:p="http://schemas.openxmlformats.org/presentationml/2006/main">
   <p:cSld>
     <p:spTree>
@@ -6969,7 +7363,7 @@
 </p:sld>
 </file>
 
-<file path=ppt/slides/slide8.xml><?xml version="1.0" encoding="utf-8"?>
+<file path=ppt/slides/slide9.xml><?xml version="1.0" encoding="utf-8"?>
 <p:sld xmlns:a="http://schemas.openxmlformats.org/drawingml/2006/main" xmlns:r="http://schemas.openxmlformats.org/officeDocument/2006/relationships" xmlns:p="http://schemas.openxmlformats.org/presentationml/2006/main">
   <p:cSld>
     <p:spTree>
@@ -7161,207 +7555,6 @@
     <p:extLst>
       <p:ext uri="{BB962C8B-B14F-4D97-AF65-F5344CB8AC3E}">
         <p14:creationId xmlns:p14="http://schemas.microsoft.com/office/powerpoint/2010/main" val="2892551651"/>
-      </p:ext>
-    </p:extLst>
-  </p:cSld>
-  <p:clrMapOvr>
-    <a:masterClrMapping/>
-  </p:clrMapOvr>
-</p:sld>
-</file>
-
-<file path=ppt/slides/slide9.xml><?xml version="1.0" encoding="utf-8"?>
-<p:sld xmlns:a="http://schemas.openxmlformats.org/drawingml/2006/main" xmlns:r="http://schemas.openxmlformats.org/officeDocument/2006/relationships" xmlns:p="http://schemas.openxmlformats.org/presentationml/2006/main">
-  <p:cSld>
-    <p:spTree>
-      <p:nvGrpSpPr>
-        <p:cNvPr id="1" name=""/>
-        <p:cNvGrpSpPr/>
-        <p:nvPr/>
-      </p:nvGrpSpPr>
-      <p:grpSpPr>
-        <a:xfrm>
-          <a:off x="0" y="0"/>
-          <a:ext cx="0" cy="0"/>
-          <a:chOff x="0" y="0"/>
-          <a:chExt cx="0" cy="0"/>
-        </a:xfrm>
-      </p:grpSpPr>
-      <p:sp>
-        <p:nvSpPr>
-          <p:cNvPr id="6" name="Retângulo 5">
-            <a:extLst>
-              <a:ext uri="{FF2B5EF4-FFF2-40B4-BE49-F238E27FC236}">
-                <a16:creationId xmlns:a16="http://schemas.microsoft.com/office/drawing/2014/main" id="{3CD2C5A8-AA15-410B-904F-02F5D04E879E}"/>
-              </a:ext>
-            </a:extLst>
-          </p:cNvPr>
-          <p:cNvSpPr/>
-          <p:nvPr/>
-        </p:nvSpPr>
-        <p:spPr>
-          <a:xfrm>
-            <a:off x="0" y="0"/>
-            <a:ext cx="12192000" cy="6858000"/>
-          </a:xfrm>
-          <a:prstGeom prst="rect">
-            <a:avLst/>
-          </a:prstGeom>
-          <a:solidFill>
-            <a:schemeClr val="accent1">
-              <a:lumMod val="20000"/>
-              <a:lumOff val="80000"/>
-            </a:schemeClr>
-          </a:solidFill>
-          <a:ln>
-            <a:solidFill>
-              <a:schemeClr val="bg1"/>
-            </a:solidFill>
-          </a:ln>
-        </p:spPr>
-        <p:style>
-          <a:lnRef idx="2">
-            <a:schemeClr val="accent1">
-              <a:shade val="50000"/>
-            </a:schemeClr>
-          </a:lnRef>
-          <a:fillRef idx="1">
-            <a:schemeClr val="accent1"/>
-          </a:fillRef>
-          <a:effectRef idx="0">
-            <a:schemeClr val="accent1"/>
-          </a:effectRef>
-          <a:fontRef idx="minor">
-            <a:schemeClr val="lt1"/>
-          </a:fontRef>
-        </p:style>
-        <p:txBody>
-          <a:bodyPr rtlCol="0" anchor="ctr"/>
-          <a:lstStyle/>
-          <a:p>
-            <a:pPr algn="ctr"/>
-            <a:endParaRPr lang="pt-BR"/>
-          </a:p>
-        </p:txBody>
-      </p:sp>
-      <p:sp>
-        <p:nvSpPr>
-          <p:cNvPr id="11" name="CaixaDeTexto 10">
-            <a:extLst>
-              <a:ext uri="{FF2B5EF4-FFF2-40B4-BE49-F238E27FC236}">
-                <a16:creationId xmlns:a16="http://schemas.microsoft.com/office/drawing/2014/main" id="{3998003E-779B-4DFD-AE79-EBA2ADD64AE1}"/>
-              </a:ext>
-            </a:extLst>
-          </p:cNvPr>
-          <p:cNvSpPr txBox="1"/>
-          <p:nvPr/>
-        </p:nvSpPr>
-        <p:spPr>
-          <a:xfrm>
-            <a:off x="1855874" y="7158396"/>
-            <a:ext cx="2302030" cy="369332"/>
-          </a:xfrm>
-          <a:prstGeom prst="rect">
-            <a:avLst/>
-          </a:prstGeom>
-          <a:solidFill>
-            <a:schemeClr val="bg1"/>
-          </a:solidFill>
-        </p:spPr>
-        <p:txBody>
-          <a:bodyPr wrap="square" rtlCol="0">
-            <a:spAutoFit/>
-          </a:bodyPr>
-          <a:lstStyle/>
-          <a:p>
-            <a:pPr marL="285750" indent="-285750">
-              <a:buFont typeface="Arial" panose="020B0604020202020204" pitchFamily="34" charset="0"/>
-              <a:buChar char="•"/>
-            </a:pPr>
-            <a:endParaRPr lang="pt-BR" dirty="0"/>
-          </a:p>
-        </p:txBody>
-      </p:sp>
-      <p:sp>
-        <p:nvSpPr>
-          <p:cNvPr id="2" name="Retângulo 1">
-            <a:extLst>
-              <a:ext uri="{FF2B5EF4-FFF2-40B4-BE49-F238E27FC236}">
-                <a16:creationId xmlns:a16="http://schemas.microsoft.com/office/drawing/2014/main" id="{E01A135F-F4BD-4992-9225-BD5212DCE35E}"/>
-              </a:ext>
-            </a:extLst>
-          </p:cNvPr>
-          <p:cNvSpPr/>
-          <p:nvPr/>
-        </p:nvSpPr>
-        <p:spPr>
-          <a:xfrm>
-            <a:off x="518240" y="263792"/>
-            <a:ext cx="9360546" cy="830997"/>
-          </a:xfrm>
-          <a:prstGeom prst="rect">
-            <a:avLst/>
-          </a:prstGeom>
-        </p:spPr>
-        <p:txBody>
-          <a:bodyPr wrap="square">
-            <a:spAutoFit/>
-          </a:bodyPr>
-          <a:lstStyle/>
-          <a:p>
-            <a:r>
-              <a:rPr lang="pt-BR" sz="2400" b="1" dirty="0">
-                <a:latin typeface="Arial" panose="020B0604020202020204" pitchFamily="34" charset="0"/>
-                <a:cs typeface="Arial" panose="020B0604020202020204" pitchFamily="34" charset="0"/>
-              </a:rPr>
-              <a:t>Telas do sistema após aplicação das melhorias:</a:t>
-            </a:r>
-          </a:p>
-          <a:p>
-            <a:r>
-              <a:rPr lang="pt-BR" sz="2400" b="1" dirty="0">
-                <a:latin typeface="Arial" panose="020B0604020202020204" pitchFamily="34" charset="0"/>
-                <a:cs typeface="Arial" panose="020B0604020202020204" pitchFamily="34" charset="0"/>
-              </a:rPr>
-              <a:t>Relatório de alunos matriculados:</a:t>
-            </a:r>
-          </a:p>
-        </p:txBody>
-      </p:sp>
-      <p:pic>
-        <p:nvPicPr>
-          <p:cNvPr id="3" name="Imagem 2">
-            <a:extLst>
-              <a:ext uri="{FF2B5EF4-FFF2-40B4-BE49-F238E27FC236}">
-                <a16:creationId xmlns:a16="http://schemas.microsoft.com/office/drawing/2014/main" id="{9EFA89ED-D066-4CCF-A670-DF789BA632DB}"/>
-              </a:ext>
-            </a:extLst>
-          </p:cNvPr>
-          <p:cNvPicPr>
-            <a:picLocks noChangeAspect="1"/>
-          </p:cNvPicPr>
-          <p:nvPr/>
-        </p:nvPicPr>
-        <p:blipFill>
-          <a:blip r:embed="rId2"/>
-          <a:stretch>
-            <a:fillRect/>
-          </a:stretch>
-        </p:blipFill>
-        <p:spPr>
-          <a:xfrm>
-            <a:off x="518240" y="1395185"/>
-            <a:ext cx="11287317" cy="4398509"/>
-          </a:xfrm>
-          <a:prstGeom prst="rect">
-            <a:avLst/>
-          </a:prstGeom>
-        </p:spPr>
-      </p:pic>
-    </p:spTree>
-    <p:extLst>
-      <p:ext uri="{BB962C8B-B14F-4D97-AF65-F5344CB8AC3E}">
-        <p14:creationId xmlns:p14="http://schemas.microsoft.com/office/powerpoint/2010/main" val="1852601293"/>
       </p:ext>
     </p:extLst>
   </p:cSld>
